--- a/Complimentary Course Content/Module3/Lessons/Module3_Lesson04 Developing Android Apps with Xamarin.pptx
+++ b/Complimentary Course Content/Module3/Lessons/Module3_Lesson04 Developing Android Apps with Xamarin.pptx
@@ -140,7 +140,7 @@
   </p:defaultTextStyle>
   <p:extLst>
     <p:ext uri="{EFAFB233-063F-42B5-8137-9DF3F51BA10A}">
-      <p15:sldGuideLst xmlns:p15="http://schemas.microsoft.com/office/powerpoint/2012/main" xmlns="">
+      <p15:sldGuideLst xmlns="" xmlns:p15="http://schemas.microsoft.com/office/powerpoint/2012/main">
         <p15:guide id="1" orient="horz" pos="2160">
           <p15:clr>
             <a:srgbClr val="A4A3A4"/>
@@ -261,7 +261,7 @@
           <a:p>
             <a:fld id="{49B60EF2-7028-489F-85D8-FE86CD7CF2A0}" type="datetimeFigureOut">
               <a:rPr lang="en-US" smtClean="0"/>
-              <a:t>6/28/16</a:t>
+              <a:t>6/30/16</a:t>
             </a:fld>
             <a:endParaRPr lang="en-US"/>
           </a:p>
@@ -5149,7 +5149,7 @@
           <a:p>
             <a:fld id="{0459C166-16D3-4A25-A2F8-C51E0E346B22}" type="datetimeFigureOut">
               <a:rPr lang="en-US" smtClean="0"/>
-              <a:t>6/28/16</a:t>
+              <a:t>6/30/16</a:t>
             </a:fld>
             <a:endParaRPr lang="en-US"/>
           </a:p>
@@ -5513,7 +5513,7 @@
           <a:p>
             <a:fld id="{0459C166-16D3-4A25-A2F8-C51E0E346B22}" type="datetimeFigureOut">
               <a:rPr lang="en-US" smtClean="0"/>
-              <a:t>6/28/16</a:t>
+              <a:t>6/30/16</a:t>
             </a:fld>
             <a:endParaRPr lang="en-US"/>
           </a:p>
@@ -5630,7 +5630,7 @@
           <a:p>
             <a:fld id="{0459C166-16D3-4A25-A2F8-C51E0E346B22}" type="datetimeFigureOut">
               <a:rPr lang="en-US" smtClean="0"/>
-              <a:t>6/28/16</a:t>
+              <a:t>6/30/16</a:t>
             </a:fld>
             <a:endParaRPr lang="en-US"/>
           </a:p>
@@ -5929,7 +5929,7 @@
           <a:p>
             <a:fld id="{0459C166-16D3-4A25-A2F8-C51E0E346B22}" type="datetimeFigureOut">
               <a:rPr lang="en-US" smtClean="0"/>
-              <a:t>6/28/16</a:t>
+              <a:t>6/30/16</a:t>
             </a:fld>
             <a:endParaRPr lang="en-US"/>
           </a:p>
@@ -6321,7 +6321,7 @@
           <a:p>
             <a:fld id="{0459C166-16D3-4A25-A2F8-C51E0E346B22}" type="datetimeFigureOut">
               <a:rPr lang="en-US" smtClean="0"/>
-              <a:t>6/28/16</a:t>
+              <a:t>6/30/16</a:t>
             </a:fld>
             <a:endParaRPr lang="en-US"/>
           </a:p>
@@ -7221,7 +7221,7 @@
           <a:p>
             <a:fld id="{0459C166-16D3-4A25-A2F8-C51E0E346B22}" type="datetimeFigureOut">
               <a:rPr lang="en-US" smtClean="0"/>
-              <a:t>6/28/16</a:t>
+              <a:t>6/30/16</a:t>
             </a:fld>
             <a:endParaRPr lang="en-US"/>
           </a:p>
@@ -7485,7 +7485,7 @@
             <a:fld id="{0459C166-16D3-4A25-A2F8-C51E0E346B22}" type="datetimeFigureOut">
               <a:rPr lang="en-US" smtClean="0"/>
               <a:pPr/>
-              <a:t>6/28/16</a:t>
+              <a:t>6/30/16</a:t>
             </a:fld>
             <a:endParaRPr lang="en-US"/>
           </a:p>
@@ -7801,7 +7801,7 @@
           <a:p>
             <a:fld id="{0459C166-16D3-4A25-A2F8-C51E0E346B22}" type="datetimeFigureOut">
               <a:rPr lang="en-US" smtClean="0"/>
-              <a:t>6/28/16</a:t>
+              <a:t>6/30/16</a:t>
             </a:fld>
             <a:endParaRPr lang="en-US"/>
           </a:p>
@@ -8375,7 +8375,7 @@
           <a:p>
             <a:fld id="{0459C166-16D3-4A25-A2F8-C51E0E346B22}" type="datetimeFigureOut">
               <a:rPr lang="en-US" smtClean="0"/>
-              <a:t>6/28/16</a:t>
+              <a:t>6/30/16</a:t>
             </a:fld>
             <a:endParaRPr lang="en-US"/>
           </a:p>
@@ -9515,7 +9515,7 @@
           <a:p>
             <a:fld id="{0459C166-16D3-4A25-A2F8-C51E0E346B22}" type="datetimeFigureOut">
               <a:rPr lang="en-US" smtClean="0"/>
-              <a:t>6/28/16</a:t>
+              <a:t>6/30/16</a:t>
             </a:fld>
             <a:endParaRPr lang="en-US"/>
           </a:p>
@@ -9726,7 +9726,7 @@
           <a:p>
             <a:fld id="{0459C166-16D3-4A25-A2F8-C51E0E346B22}" type="datetimeFigureOut">
               <a:rPr lang="en-US" smtClean="0"/>
-              <a:t>6/28/16</a:t>
+              <a:t>6/30/16</a:t>
             </a:fld>
             <a:endParaRPr lang="en-US"/>
           </a:p>
@@ -23025,7 +23025,7 @@
   <a:extraClrSchemeLst/>
   <a:extLst>
     <a:ext uri="{05A4C25C-085E-4340-85A3-A5531E510DB2}">
-      <thm15:themeFamily xmlns:thm15="http://schemas.microsoft.com/office/thememl/2012/main" xmlns="" name="Office Theme" id="{62F939B6-93AF-4DB8-9C6B-D6C7DFDC589F}" vid="{4A3C46E8-61CC-4603-A589-7422A47A8E4A}"/>
+      <thm15:themeFamily xmlns="" xmlns:thm15="http://schemas.microsoft.com/office/thememl/2012/main" name="Office Theme" id="{62F939B6-93AF-4DB8-9C6B-D6C7DFDC589F}" vid="{4A3C46E8-61CC-4603-A589-7422A47A8E4A}"/>
     </a:ext>
   </a:extLst>
 </a:theme>
@@ -23320,7 +23320,7 @@
   <a:extraClrSchemeLst/>
   <a:extLst>
     <a:ext uri="{05A4C25C-085E-4340-85A3-A5531E510DB2}">
-      <thm15:themeFamily xmlns:thm15="http://schemas.microsoft.com/office/thememl/2012/main" xmlns="" name="Office Theme" id="{62F939B6-93AF-4DB8-9C6B-D6C7DFDC589F}" vid="{4A3C46E8-61CC-4603-A589-7422A47A8E4A}"/>
+      <thm15:themeFamily xmlns="" xmlns:thm15="http://schemas.microsoft.com/office/thememl/2012/main" name="Office Theme" id="{62F939B6-93AF-4DB8-9C6B-D6C7DFDC589F}" vid="{4A3C46E8-61CC-4603-A589-7422A47A8E4A}"/>
     </a:ext>
   </a:extLst>
 </a:theme>

--- a/Complimentary Course Content/Module3/Lessons/Module3_Lesson04 Developing Android Apps with Xamarin.pptx
+++ b/Complimentary Course Content/Module3/Lessons/Module3_Lesson04 Developing Android Apps with Xamarin.pptx
@@ -140,7 +140,7 @@
   </p:defaultTextStyle>
   <p:extLst>
     <p:ext uri="{EFAFB233-063F-42B5-8137-9DF3F51BA10A}">
-      <p15:sldGuideLst xmlns="" xmlns:p15="http://schemas.microsoft.com/office/powerpoint/2012/main">
+      <p15:sldGuideLst xmlns:p15="http://schemas.microsoft.com/office/powerpoint/2012/main" xmlns="">
         <p15:guide id="1" orient="horz" pos="2160">
           <p15:clr>
             <a:srgbClr val="A4A3A4"/>
@@ -261,7 +261,7 @@
           <a:p>
             <a:fld id="{49B60EF2-7028-489F-85D8-FE86CD7CF2A0}" type="datetimeFigureOut">
               <a:rPr lang="en-US" smtClean="0"/>
-              <a:t>6/30/16</a:t>
+              <a:t>7/7/16</a:t>
             </a:fld>
             <a:endParaRPr lang="en-US"/>
           </a:p>
@@ -4488,9 +4488,10 @@
               <a:defRPr/>
             </a:pPr>
             <a:r>
-              <a:rPr lang="en-US" b="1" dirty="0"/>
-              <a:t>Reference:</a:t>
-            </a:r>
+              <a:rPr lang="en-US" b="1" dirty="0" smtClean="0"/>
+              <a:t>References:</a:t>
+            </a:r>
+            <a:endParaRPr lang="en-US" b="1" dirty="0"/>
           </a:p>
           <a:p>
             <a:pPr marL="171450" marR="0" lvl="0" indent="-171450" algn="l" defTabSz="914400" rtl="0" eaLnBrk="1" fontAlgn="auto" latinLnBrk="0" hangingPunct="1">
@@ -4614,8 +4615,22 @@
           <a:lstStyle/>
           <a:p>
             <a:r>
+              <a:rPr lang="en-US" b="1" dirty="0" smtClean="0"/>
+              <a:t>Notes:</a:t>
+            </a:r>
+          </a:p>
+          <a:p>
+            <a:pPr marL="171450" indent="-171450">
+              <a:buFont typeface="Arial"/>
+              <a:buChar char="•"/>
+            </a:pPr>
+            <a:r>
+              <a:rPr lang="en-US" dirty="0" smtClean="0"/>
+              <a:t>The </a:t>
+            </a:r>
+            <a:r>
               <a:rPr lang="en-US" dirty="0"/>
-              <a:t>The Main Activity is made</a:t>
+              <a:t>Main Activity is made</a:t>
             </a:r>
             <a:r>
               <a:rPr lang="en-US" baseline="0" dirty="0"/>
@@ -5149,7 +5164,7 @@
           <a:p>
             <a:fld id="{0459C166-16D3-4A25-A2F8-C51E0E346B22}" type="datetimeFigureOut">
               <a:rPr lang="en-US" smtClean="0"/>
-              <a:t>6/30/16</a:t>
+              <a:t>7/7/16</a:t>
             </a:fld>
             <a:endParaRPr lang="en-US"/>
           </a:p>
@@ -5513,7 +5528,7 @@
           <a:p>
             <a:fld id="{0459C166-16D3-4A25-A2F8-C51E0E346B22}" type="datetimeFigureOut">
               <a:rPr lang="en-US" smtClean="0"/>
-              <a:t>6/30/16</a:t>
+              <a:t>7/7/16</a:t>
             </a:fld>
             <a:endParaRPr lang="en-US"/>
           </a:p>
@@ -5630,7 +5645,7 @@
           <a:p>
             <a:fld id="{0459C166-16D3-4A25-A2F8-C51E0E346B22}" type="datetimeFigureOut">
               <a:rPr lang="en-US" smtClean="0"/>
-              <a:t>6/30/16</a:t>
+              <a:t>7/7/16</a:t>
             </a:fld>
             <a:endParaRPr lang="en-US"/>
           </a:p>
@@ -5929,7 +5944,7 @@
           <a:p>
             <a:fld id="{0459C166-16D3-4A25-A2F8-C51E0E346B22}" type="datetimeFigureOut">
               <a:rPr lang="en-US" smtClean="0"/>
-              <a:t>6/30/16</a:t>
+              <a:t>7/7/16</a:t>
             </a:fld>
             <a:endParaRPr lang="en-US"/>
           </a:p>
@@ -6321,7 +6336,7 @@
           <a:p>
             <a:fld id="{0459C166-16D3-4A25-A2F8-C51E0E346B22}" type="datetimeFigureOut">
               <a:rPr lang="en-US" smtClean="0"/>
-              <a:t>6/30/16</a:t>
+              <a:t>7/7/16</a:t>
             </a:fld>
             <a:endParaRPr lang="en-US"/>
           </a:p>
@@ -7221,7 +7236,7 @@
           <a:p>
             <a:fld id="{0459C166-16D3-4A25-A2F8-C51E0E346B22}" type="datetimeFigureOut">
               <a:rPr lang="en-US" smtClean="0"/>
-              <a:t>6/30/16</a:t>
+              <a:t>7/7/16</a:t>
             </a:fld>
             <a:endParaRPr lang="en-US"/>
           </a:p>
@@ -7485,7 +7500,7 @@
             <a:fld id="{0459C166-16D3-4A25-A2F8-C51E0E346B22}" type="datetimeFigureOut">
               <a:rPr lang="en-US" smtClean="0"/>
               <a:pPr/>
-              <a:t>6/30/16</a:t>
+              <a:t>7/7/16</a:t>
             </a:fld>
             <a:endParaRPr lang="en-US"/>
           </a:p>
@@ -7801,7 +7816,7 @@
           <a:p>
             <a:fld id="{0459C166-16D3-4A25-A2F8-C51E0E346B22}" type="datetimeFigureOut">
               <a:rPr lang="en-US" smtClean="0"/>
-              <a:t>6/30/16</a:t>
+              <a:t>7/7/16</a:t>
             </a:fld>
             <a:endParaRPr lang="en-US"/>
           </a:p>
@@ -8375,7 +8390,7 @@
           <a:p>
             <a:fld id="{0459C166-16D3-4A25-A2F8-C51E0E346B22}" type="datetimeFigureOut">
               <a:rPr lang="en-US" smtClean="0"/>
-              <a:t>6/30/16</a:t>
+              <a:t>7/7/16</a:t>
             </a:fld>
             <a:endParaRPr lang="en-US"/>
           </a:p>
@@ -9515,7 +9530,7 @@
           <a:p>
             <a:fld id="{0459C166-16D3-4A25-A2F8-C51E0E346B22}" type="datetimeFigureOut">
               <a:rPr lang="en-US" smtClean="0"/>
-              <a:t>6/30/16</a:t>
+              <a:t>7/7/16</a:t>
             </a:fld>
             <a:endParaRPr lang="en-US"/>
           </a:p>
@@ -9726,7 +9741,7 @@
           <a:p>
             <a:fld id="{0459C166-16D3-4A25-A2F8-C51E0E346B22}" type="datetimeFigureOut">
               <a:rPr lang="en-US" smtClean="0"/>
-              <a:t>6/30/16</a:t>
+              <a:t>7/7/16</a:t>
             </a:fld>
             <a:endParaRPr lang="en-US"/>
           </a:p>
@@ -20412,9 +20427,6 @@
             </a:pPr>
             <a:r>
               <a:rPr lang="en-US" sz="1800" dirty="0">
-                <a:solidFill>
-                  <a:srgbClr val="000000"/>
-                </a:solidFill>
                 <a:highlight>
                   <a:srgbClr val="FFFFFF"/>
                 </a:highlight>
@@ -20426,9 +20438,6 @@
             </a:r>
             <a:r>
               <a:rPr lang="en-US" sz="1800" dirty="0" err="1">
-                <a:solidFill>
-                  <a:srgbClr val="000000"/>
-                </a:solidFill>
                 <a:highlight>
                   <a:srgbClr val="FFFFFF"/>
                 </a:highlight>
@@ -20440,9 +20449,6 @@
             </a:r>
             <a:r>
               <a:rPr lang="en-US" sz="1800" dirty="0">
-                <a:solidFill>
-                  <a:srgbClr val="000000"/>
-                </a:solidFill>
                 <a:highlight>
                   <a:srgbClr val="FFFFFF"/>
                 </a:highlight>
@@ -20454,9 +20460,6 @@
             </a:r>
             <a:r>
               <a:rPr lang="en-US" sz="1800" b="1" i="1" dirty="0" err="1">
-                <a:solidFill>
-                  <a:srgbClr val="000000"/>
-                </a:solidFill>
                 <a:highlight>
                   <a:srgbClr val="FFFFFF"/>
                 </a:highlight>
@@ -20468,9 +20471,6 @@
             </a:r>
             <a:r>
               <a:rPr lang="en-US" sz="1800" b="1" i="1" dirty="0">
-                <a:solidFill>
-                  <a:srgbClr val="000000"/>
-                </a:solidFill>
                 <a:highlight>
                   <a:srgbClr val="FFFFFF"/>
                 </a:highlight>
@@ -20482,9 +20482,6 @@
             </a:r>
             <a:r>
               <a:rPr lang="en-US" sz="1800" dirty="0">
-                <a:solidFill>
-                  <a:srgbClr val="000000"/>
-                </a:solidFill>
                 <a:highlight>
                   <a:srgbClr val="FFFFFF"/>
                 </a:highlight>
@@ -20496,9 +20493,6 @@
             </a:r>
             <a:r>
               <a:rPr lang="en-US" sz="1800" dirty="0" err="1">
-                <a:solidFill>
-                  <a:srgbClr val="000000"/>
-                </a:solidFill>
                 <a:highlight>
                   <a:srgbClr val="FFFFFF"/>
                 </a:highlight>
@@ -20510,9 +20504,6 @@
             </a:r>
             <a:r>
               <a:rPr lang="en-US" sz="1800" dirty="0">
-                <a:solidFill>
-                  <a:srgbClr val="000000"/>
-                </a:solidFill>
                 <a:highlight>
                   <a:srgbClr val="FFFFFF"/>
                 </a:highlight>
@@ -20523,9 +20514,6 @@
               <a:t>/icon")]</a:t>
             </a:r>
             <a:endParaRPr lang="en-US" sz="1800" dirty="0">
-              <a:solidFill>
-                <a:srgbClr val="000000"/>
-              </a:solidFill>
               <a:latin typeface="Calibri" panose="020F0502020204030204" pitchFamily="34" charset="0"/>
               <a:ea typeface="Calibri" panose="020F0502020204030204" pitchFamily="34" charset="0"/>
               <a:cs typeface="Times New Roman" panose="02020603050405020304" pitchFamily="18" charset="0"/>
@@ -20546,9 +20534,6 @@
             </a:pPr>
             <a:r>
               <a:rPr lang="en-US" sz="1800" dirty="0">
-                <a:solidFill>
-                  <a:srgbClr val="000000"/>
-                </a:solidFill>
                 <a:highlight>
                   <a:srgbClr val="FFFFFF"/>
                 </a:highlight>
@@ -20560,9 +20545,6 @@
             </a:r>
             <a:r>
               <a:rPr lang="en-US" sz="1800" dirty="0" err="1">
-                <a:solidFill>
-                  <a:srgbClr val="000000"/>
-                </a:solidFill>
                 <a:highlight>
                   <a:srgbClr val="FFFFFF"/>
                 </a:highlight>
@@ -20574,9 +20556,6 @@
             </a:r>
             <a:r>
               <a:rPr lang="en-US" sz="1800" dirty="0">
-                <a:solidFill>
-                  <a:srgbClr val="000000"/>
-                </a:solidFill>
                 <a:highlight>
                   <a:srgbClr val="FFFFFF"/>
                 </a:highlight>
@@ -20587,9 +20566,6 @@
               <a:t> : Activity</a:t>
             </a:r>
             <a:endParaRPr lang="en-US" sz="1800" dirty="0">
-              <a:solidFill>
-                <a:srgbClr val="000000"/>
-              </a:solidFill>
               <a:latin typeface="Calibri" panose="020F0502020204030204" pitchFamily="34" charset="0"/>
               <a:ea typeface="Calibri" panose="020F0502020204030204" pitchFamily="34" charset="0"/>
               <a:cs typeface="Times New Roman" panose="02020603050405020304" pitchFamily="18" charset="0"/>
@@ -20610,9 +20586,6 @@
             </a:pPr>
             <a:r>
               <a:rPr lang="en-US" sz="1800" dirty="0">
-                <a:solidFill>
-                  <a:srgbClr val="000000"/>
-                </a:solidFill>
                 <a:highlight>
                   <a:srgbClr val="FFFFFF"/>
                 </a:highlight>
@@ -20623,9 +20596,6 @@
               <a:t>    {</a:t>
             </a:r>
             <a:endParaRPr lang="en-US" sz="1800" dirty="0">
-              <a:solidFill>
-                <a:srgbClr val="000000"/>
-              </a:solidFill>
               <a:latin typeface="Calibri" panose="020F0502020204030204" pitchFamily="34" charset="0"/>
               <a:ea typeface="Calibri" panose="020F0502020204030204" pitchFamily="34" charset="0"/>
               <a:cs typeface="Times New Roman" panose="02020603050405020304" pitchFamily="18" charset="0"/>
@@ -20646,9 +20616,6 @@
             </a:pPr>
             <a:r>
               <a:rPr lang="en-US" sz="1800" dirty="0">
-                <a:solidFill>
-                  <a:srgbClr val="000000"/>
-                </a:solidFill>
                 <a:highlight>
                   <a:srgbClr val="FFFFFF"/>
                 </a:highlight>
@@ -20660,9 +20627,6 @@
             </a:r>
             <a:r>
               <a:rPr lang="en-US" sz="1800" dirty="0" err="1">
-                <a:solidFill>
-                  <a:srgbClr val="000000"/>
-                </a:solidFill>
                 <a:highlight>
                   <a:srgbClr val="FFFFFF"/>
                 </a:highlight>
@@ -20674,9 +20638,6 @@
             </a:r>
             <a:r>
               <a:rPr lang="en-US" sz="1800" dirty="0">
-                <a:solidFill>
-                  <a:srgbClr val="000000"/>
-                </a:solidFill>
                 <a:highlight>
                   <a:srgbClr val="FFFFFF"/>
                 </a:highlight>
@@ -20687,9 +20648,6 @@
               <a:t>(Bundle bundle)</a:t>
             </a:r>
             <a:endParaRPr lang="en-US" sz="1800" dirty="0">
-              <a:solidFill>
-                <a:srgbClr val="000000"/>
-              </a:solidFill>
               <a:latin typeface="Calibri" panose="020F0502020204030204" pitchFamily="34" charset="0"/>
               <a:ea typeface="Calibri" panose="020F0502020204030204" pitchFamily="34" charset="0"/>
               <a:cs typeface="Times New Roman" panose="02020603050405020304" pitchFamily="18" charset="0"/>
@@ -20710,9 +20668,6 @@
             </a:pPr>
             <a:r>
               <a:rPr lang="en-US" sz="1800" dirty="0">
-                <a:solidFill>
-                  <a:srgbClr val="000000"/>
-                </a:solidFill>
                 <a:highlight>
                   <a:srgbClr val="FFFFFF"/>
                 </a:highlight>
@@ -20723,9 +20678,6 @@
               <a:t>        {</a:t>
             </a:r>
             <a:endParaRPr lang="en-US" sz="1800" dirty="0">
-              <a:solidFill>
-                <a:srgbClr val="000000"/>
-              </a:solidFill>
               <a:latin typeface="Calibri" panose="020F0502020204030204" pitchFamily="34" charset="0"/>
               <a:ea typeface="Calibri" panose="020F0502020204030204" pitchFamily="34" charset="0"/>
               <a:cs typeface="Times New Roman" panose="02020603050405020304" pitchFamily="18" charset="0"/>
@@ -20746,9 +20698,6 @@
             </a:pPr>
             <a:r>
               <a:rPr lang="en-US" sz="1800" dirty="0">
-                <a:solidFill>
-                  <a:srgbClr val="000000"/>
-                </a:solidFill>
                 <a:highlight>
                   <a:srgbClr val="FFFFFF"/>
                 </a:highlight>
@@ -20760,9 +20709,6 @@
             </a:r>
             <a:r>
               <a:rPr lang="en-US" sz="1800" dirty="0" err="1">
-                <a:solidFill>
-                  <a:srgbClr val="000000"/>
-                </a:solidFill>
                 <a:highlight>
                   <a:srgbClr val="FFFFFF"/>
                 </a:highlight>
@@ -20774,9 +20720,6 @@
             </a:r>
             <a:r>
               <a:rPr lang="en-US" sz="1800" dirty="0">
-                <a:solidFill>
-                  <a:srgbClr val="000000"/>
-                </a:solidFill>
                 <a:highlight>
                   <a:srgbClr val="FFFFFF"/>
                 </a:highlight>
@@ -20787,9 +20730,6 @@
               <a:t>(bundle);</a:t>
             </a:r>
             <a:endParaRPr lang="en-US" sz="1800" dirty="0">
-              <a:solidFill>
-                <a:srgbClr val="000000"/>
-              </a:solidFill>
               <a:latin typeface="Calibri" panose="020F0502020204030204" pitchFamily="34" charset="0"/>
               <a:ea typeface="Calibri" panose="020F0502020204030204" pitchFamily="34" charset="0"/>
               <a:cs typeface="Times New Roman" panose="02020603050405020304" pitchFamily="18" charset="0"/>
@@ -20810,9 +20750,6 @@
             </a:pPr>
             <a:r>
               <a:rPr lang="en-US" sz="1800" dirty="0">
-                <a:solidFill>
-                  <a:srgbClr val="000000"/>
-                </a:solidFill>
                 <a:highlight>
                   <a:srgbClr val="FFFFFF"/>
                 </a:highlight>
@@ -20823,9 +20760,6 @@
               <a:t> </a:t>
             </a:r>
             <a:endParaRPr lang="en-US" sz="1800" dirty="0">
-              <a:solidFill>
-                <a:srgbClr val="000000"/>
-              </a:solidFill>
               <a:latin typeface="Calibri" panose="020F0502020204030204" pitchFamily="34" charset="0"/>
               <a:ea typeface="Calibri" panose="020F0502020204030204" pitchFamily="34" charset="0"/>
               <a:cs typeface="Times New Roman" panose="02020603050405020304" pitchFamily="18" charset="0"/>
@@ -20846,9 +20780,6 @@
             </a:pPr>
             <a:r>
               <a:rPr lang="en-US" sz="1800" dirty="0">
-                <a:solidFill>
-                  <a:srgbClr val="000000"/>
-                </a:solidFill>
                 <a:highlight>
                   <a:srgbClr val="FFFFFF"/>
                 </a:highlight>
@@ -20859,9 +20790,6 @@
               <a:t>            // Set view from the "Main" layout resource</a:t>
             </a:r>
             <a:endParaRPr lang="en-US" sz="1800" dirty="0">
-              <a:solidFill>
-                <a:srgbClr val="000000"/>
-              </a:solidFill>
               <a:latin typeface="Calibri" panose="020F0502020204030204" pitchFamily="34" charset="0"/>
               <a:ea typeface="Calibri" panose="020F0502020204030204" pitchFamily="34" charset="0"/>
               <a:cs typeface="Times New Roman" panose="02020603050405020304" pitchFamily="18" charset="0"/>
@@ -20882,9 +20810,6 @@
             </a:pPr>
             <a:r>
               <a:rPr lang="en-US" sz="1800" dirty="0">
-                <a:solidFill>
-                  <a:srgbClr val="000000"/>
-                </a:solidFill>
                 <a:highlight>
                   <a:srgbClr val="FFFFFF"/>
                 </a:highlight>
@@ -20896,9 +20821,6 @@
             </a:r>
             <a:r>
               <a:rPr lang="en-US" sz="1800" dirty="0" err="1">
-                <a:solidFill>
-                  <a:srgbClr val="000000"/>
-                </a:solidFill>
                 <a:highlight>
                   <a:srgbClr val="FFFFFF"/>
                 </a:highlight>
@@ -20910,9 +20832,6 @@
             </a:r>
             <a:r>
               <a:rPr lang="en-US" sz="1800" dirty="0">
-                <a:solidFill>
-                  <a:srgbClr val="000000"/>
-                </a:solidFill>
                 <a:highlight>
                   <a:srgbClr val="FFFFFF"/>
                 </a:highlight>
@@ -20924,9 +20843,6 @@
             </a:r>
             <a:r>
               <a:rPr lang="en-US" sz="1800" dirty="0" err="1">
-                <a:solidFill>
-                  <a:srgbClr val="000000"/>
-                </a:solidFill>
                 <a:highlight>
                   <a:srgbClr val="FFFFFF"/>
                 </a:highlight>
@@ -20938,9 +20854,6 @@
             </a:r>
             <a:r>
               <a:rPr lang="en-US" sz="1800" dirty="0">
-                <a:solidFill>
-                  <a:srgbClr val="000000"/>
-                </a:solidFill>
                 <a:highlight>
                   <a:srgbClr val="FFFFFF"/>
                 </a:highlight>
@@ -20951,9 +20864,6 @@
               <a:t>);</a:t>
             </a:r>
             <a:endParaRPr lang="en-US" sz="1800" dirty="0">
-              <a:solidFill>
-                <a:srgbClr val="000000"/>
-              </a:solidFill>
               <a:latin typeface="Calibri" panose="020F0502020204030204" pitchFamily="34" charset="0"/>
               <a:ea typeface="Calibri" panose="020F0502020204030204" pitchFamily="34" charset="0"/>
               <a:cs typeface="Times New Roman" panose="02020603050405020304" pitchFamily="18" charset="0"/>
@@ -20974,9 +20884,6 @@
             </a:pPr>
             <a:r>
               <a:rPr lang="en-US" sz="1800" dirty="0">
-                <a:solidFill>
-                  <a:srgbClr val="000000"/>
-                </a:solidFill>
                 <a:highlight>
                   <a:srgbClr val="FFFFFF"/>
                 </a:highlight>
@@ -20987,9 +20894,6 @@
               <a:t> </a:t>
             </a:r>
             <a:endParaRPr lang="en-US" sz="1800" dirty="0">
-              <a:solidFill>
-                <a:srgbClr val="000000"/>
-              </a:solidFill>
               <a:latin typeface="Calibri" panose="020F0502020204030204" pitchFamily="34" charset="0"/>
               <a:ea typeface="Calibri" panose="020F0502020204030204" pitchFamily="34" charset="0"/>
               <a:cs typeface="Times New Roman" panose="02020603050405020304" pitchFamily="18" charset="0"/>
@@ -21010,9 +20914,6 @@
             </a:pPr>
             <a:r>
               <a:rPr lang="en-US" sz="1800" dirty="0">
-                <a:solidFill>
-                  <a:srgbClr val="000000"/>
-                </a:solidFill>
                 <a:highlight>
                   <a:srgbClr val="FFFFFF"/>
                 </a:highlight>
@@ -21023,9 +20924,6 @@
               <a:t>            // Set up Layout and event handler code here</a:t>
             </a:r>
             <a:endParaRPr lang="en-US" sz="1800" dirty="0">
-              <a:solidFill>
-                <a:srgbClr val="000000"/>
-              </a:solidFill>
               <a:latin typeface="Calibri" panose="020F0502020204030204" pitchFamily="34" charset="0"/>
               <a:ea typeface="Calibri" panose="020F0502020204030204" pitchFamily="34" charset="0"/>
               <a:cs typeface="Times New Roman" panose="02020603050405020304" pitchFamily="18" charset="0"/>
@@ -21046,9 +20944,6 @@
             </a:pPr>
             <a:r>
               <a:rPr lang="en-US" sz="1800" dirty="0">
-                <a:solidFill>
-                  <a:srgbClr val="000000"/>
-                </a:solidFill>
                 <a:highlight>
                   <a:srgbClr val="FFFFFF"/>
                 </a:highlight>
@@ -21059,9 +20954,6 @@
               <a:t>        }</a:t>
             </a:r>
             <a:endParaRPr lang="en-US" sz="1800" dirty="0">
-              <a:solidFill>
-                <a:srgbClr val="000000"/>
-              </a:solidFill>
               <a:latin typeface="Calibri" panose="020F0502020204030204" pitchFamily="34" charset="0"/>
               <a:ea typeface="Calibri" panose="020F0502020204030204" pitchFamily="34" charset="0"/>
               <a:cs typeface="Times New Roman" panose="02020603050405020304" pitchFamily="18" charset="0"/>
@@ -21082,9 +20974,6 @@
             </a:pPr>
             <a:r>
               <a:rPr lang="en-US" sz="1800" dirty="0">
-                <a:solidFill>
-                  <a:srgbClr val="000000"/>
-                </a:solidFill>
                 <a:highlight>
                   <a:srgbClr val="FFFFFF"/>
                 </a:highlight>
@@ -21094,11 +20983,7 @@
               </a:rPr>
               <a:t>    }</a:t>
             </a:r>
-            <a:endParaRPr lang="en-US" sz="1800" dirty="0">
-              <a:solidFill>
-                <a:srgbClr val="000000"/>
-              </a:solidFill>
-            </a:endParaRPr>
+            <a:endParaRPr lang="en-US" sz="1800" dirty="0"/>
           </a:p>
         </p:txBody>
       </p:sp>
@@ -23025,7 +22910,7 @@
   <a:extraClrSchemeLst/>
   <a:extLst>
     <a:ext uri="{05A4C25C-085E-4340-85A3-A5531E510DB2}">
-      <thm15:themeFamily xmlns="" xmlns:thm15="http://schemas.microsoft.com/office/thememl/2012/main" name="Office Theme" id="{62F939B6-93AF-4DB8-9C6B-D6C7DFDC589F}" vid="{4A3C46E8-61CC-4603-A589-7422A47A8E4A}"/>
+      <thm15:themeFamily xmlns:thm15="http://schemas.microsoft.com/office/thememl/2012/main" xmlns="" name="Office Theme" id="{62F939B6-93AF-4DB8-9C6B-D6C7DFDC589F}" vid="{4A3C46E8-61CC-4603-A589-7422A47A8E4A}"/>
     </a:ext>
   </a:extLst>
 </a:theme>
@@ -23320,7 +23205,7 @@
   <a:extraClrSchemeLst/>
   <a:extLst>
     <a:ext uri="{05A4C25C-085E-4340-85A3-A5531E510DB2}">
-      <thm15:themeFamily xmlns="" xmlns:thm15="http://schemas.microsoft.com/office/thememl/2012/main" name="Office Theme" id="{62F939B6-93AF-4DB8-9C6B-D6C7DFDC589F}" vid="{4A3C46E8-61CC-4603-A589-7422A47A8E4A}"/>
+      <thm15:themeFamily xmlns:thm15="http://schemas.microsoft.com/office/thememl/2012/main" xmlns="" name="Office Theme" id="{62F939B6-93AF-4DB8-9C6B-D6C7DFDC589F}" vid="{4A3C46E8-61CC-4603-A589-7422A47A8E4A}"/>
     </a:ext>
   </a:extLst>
 </a:theme>

--- a/Complimentary Course Content/Module3/Lessons/Module3_Lesson04 Developing Android Apps with Xamarin.pptx
+++ b/Complimentary Course Content/Module3/Lessons/Module3_Lesson04 Developing Android Apps with Xamarin.pptx
@@ -140,7 +140,7 @@
   </p:defaultTextStyle>
   <p:extLst>
     <p:ext uri="{EFAFB233-063F-42B5-8137-9DF3F51BA10A}">
-      <p15:sldGuideLst xmlns:p15="http://schemas.microsoft.com/office/powerpoint/2012/main" xmlns="">
+      <p15:sldGuideLst xmlns:p15="http://schemas.microsoft.com/office/powerpoint/2012/main">
         <p15:guide id="1" orient="horz" pos="2160">
           <p15:clr>
             <a:srgbClr val="A4A3A4"/>
@@ -261,7 +261,7 @@
           <a:p>
             <a:fld id="{49B60EF2-7028-489F-85D8-FE86CD7CF2A0}" type="datetimeFigureOut">
               <a:rPr lang="en-US" smtClean="0"/>
-              <a:t>7/7/16</a:t>
+              <a:t>9/9/16</a:t>
             </a:fld>
             <a:endParaRPr lang="en-US"/>
           </a:p>
@@ -572,6 +572,117 @@
           <a:bodyPr/>
           <a:lstStyle/>
           <a:p>
+            <a:r>
+              <a:rPr lang="en-US" sz="1200" b="0" i="0" kern="1200" dirty="0" smtClean="0">
+                <a:solidFill>
+                  <a:schemeClr val="tx1"/>
+                </a:solidFill>
+                <a:effectLst/>
+                <a:latin typeface="+mn-lt"/>
+                <a:ea typeface="+mn-ea"/>
+                <a:cs typeface="+mn-cs"/>
+              </a:rPr>
+              <a:t>Images and excerpts from </a:t>
+            </a:r>
+            <a:r>
+              <a:rPr lang="en-US" sz="1200" b="0" i="1" kern="1200" dirty="0" err="1" smtClean="0">
+                <a:solidFill>
+                  <a:schemeClr val="tx1"/>
+                </a:solidFill>
+                <a:effectLst/>
+                <a:latin typeface="+mn-lt"/>
+                <a:ea typeface="+mn-ea"/>
+                <a:cs typeface="+mn-cs"/>
+              </a:rPr>
+              <a:t>Xamarin</a:t>
+            </a:r>
+            <a:r>
+              <a:rPr lang="en-US" sz="1200" b="0" i="1" kern="1200" dirty="0" smtClean="0">
+                <a:solidFill>
+                  <a:schemeClr val="tx1"/>
+                </a:solidFill>
+                <a:effectLst/>
+                <a:latin typeface="+mn-lt"/>
+                <a:ea typeface="+mn-ea"/>
+                <a:cs typeface="+mn-cs"/>
+              </a:rPr>
+              <a:t> Mobile Application Development </a:t>
+            </a:r>
+            <a:r>
+              <a:rPr lang="en-US" sz="1200" b="0" i="0" kern="1200" dirty="0" smtClean="0">
+                <a:solidFill>
+                  <a:schemeClr val="tx1"/>
+                </a:solidFill>
+                <a:effectLst/>
+                <a:latin typeface="+mn-lt"/>
+                <a:ea typeface="+mn-ea"/>
+                <a:cs typeface="+mn-cs"/>
+              </a:rPr>
+              <a:t>by Dan Hermes, published by </a:t>
+            </a:r>
+            <a:r>
+              <a:rPr lang="en-US" sz="1200" b="0" i="0" kern="1200" dirty="0" err="1" smtClean="0">
+                <a:solidFill>
+                  <a:schemeClr val="tx1"/>
+                </a:solidFill>
+                <a:effectLst/>
+                <a:latin typeface="+mn-lt"/>
+                <a:ea typeface="+mn-ea"/>
+                <a:cs typeface="+mn-cs"/>
+              </a:rPr>
+              <a:t>Apress</a:t>
+            </a:r>
+            <a:r>
+              <a:rPr lang="en-US" sz="1200" b="0" i="0" kern="1200" dirty="0" smtClean="0">
+                <a:solidFill>
+                  <a:schemeClr val="tx1"/>
+                </a:solidFill>
+                <a:effectLst/>
+                <a:latin typeface="+mn-lt"/>
+                <a:ea typeface="+mn-ea"/>
+                <a:cs typeface="+mn-cs"/>
+              </a:rPr>
+              <a:t>  </a:t>
+            </a:r>
+          </a:p>
+          <a:p>
+            <a:r>
+              <a:rPr lang="en-US" sz="1200" b="0" i="0" kern="1200" dirty="0" smtClean="0">
+                <a:solidFill>
+                  <a:schemeClr val="tx1"/>
+                </a:solidFill>
+                <a:effectLst/>
+                <a:latin typeface="+mn-lt"/>
+                <a:ea typeface="+mn-ea"/>
+                <a:cs typeface="+mn-cs"/>
+                <a:hlinkClick r:id="rId3"/>
+              </a:rPr>
+              <a:t>http://www.mobilecsharpcafe.com/xamarin</a:t>
+            </a:r>
+            <a:r>
+              <a:rPr lang="en-US" sz="1200" b="0" i="0" kern="1200" smtClean="0">
+                <a:solidFill>
+                  <a:schemeClr val="tx1"/>
+                </a:solidFill>
+                <a:effectLst/>
+                <a:latin typeface="+mn-lt"/>
+                <a:ea typeface="+mn-ea"/>
+                <a:cs typeface="+mn-cs"/>
+                <a:hlinkClick r:id="rId3"/>
+              </a:rPr>
+              <a:t>-book/</a:t>
+            </a:r>
+            <a:endParaRPr lang="en-US" sz="1200" b="0" i="0" kern="1200" smtClean="0">
+              <a:solidFill>
+                <a:schemeClr val="tx1"/>
+              </a:solidFill>
+              <a:effectLst/>
+              <a:latin typeface="+mn-lt"/>
+              <a:ea typeface="+mn-ea"/>
+              <a:cs typeface="+mn-cs"/>
+            </a:endParaRPr>
+          </a:p>
+          <a:p>
             <a:endParaRPr lang="en-US" dirty="0"/>
           </a:p>
         </p:txBody>
@@ -5164,7 +5275,7 @@
           <a:p>
             <a:fld id="{0459C166-16D3-4A25-A2F8-C51E0E346B22}" type="datetimeFigureOut">
               <a:rPr lang="en-US" smtClean="0"/>
-              <a:t>7/7/16</a:t>
+              <a:t>9/9/16</a:t>
             </a:fld>
             <a:endParaRPr lang="en-US"/>
           </a:p>
@@ -5528,7 +5639,7 @@
           <a:p>
             <a:fld id="{0459C166-16D3-4A25-A2F8-C51E0E346B22}" type="datetimeFigureOut">
               <a:rPr lang="en-US" smtClean="0"/>
-              <a:t>7/7/16</a:t>
+              <a:t>9/9/16</a:t>
             </a:fld>
             <a:endParaRPr lang="en-US"/>
           </a:p>
@@ -5645,7 +5756,7 @@
           <a:p>
             <a:fld id="{0459C166-16D3-4A25-A2F8-C51E0E346B22}" type="datetimeFigureOut">
               <a:rPr lang="en-US" smtClean="0"/>
-              <a:t>7/7/16</a:t>
+              <a:t>9/9/16</a:t>
             </a:fld>
             <a:endParaRPr lang="en-US"/>
           </a:p>
@@ -5944,7 +6055,7 @@
           <a:p>
             <a:fld id="{0459C166-16D3-4A25-A2F8-C51E0E346B22}" type="datetimeFigureOut">
               <a:rPr lang="en-US" smtClean="0"/>
-              <a:t>7/7/16</a:t>
+              <a:t>9/9/16</a:t>
             </a:fld>
             <a:endParaRPr lang="en-US"/>
           </a:p>
@@ -6336,7 +6447,7 @@
           <a:p>
             <a:fld id="{0459C166-16D3-4A25-A2F8-C51E0E346B22}" type="datetimeFigureOut">
               <a:rPr lang="en-US" smtClean="0"/>
-              <a:t>7/7/16</a:t>
+              <a:t>9/9/16</a:t>
             </a:fld>
             <a:endParaRPr lang="en-US"/>
           </a:p>
@@ -7236,7 +7347,7 @@
           <a:p>
             <a:fld id="{0459C166-16D3-4A25-A2F8-C51E0E346B22}" type="datetimeFigureOut">
               <a:rPr lang="en-US" smtClean="0"/>
-              <a:t>7/7/16</a:t>
+              <a:t>9/9/16</a:t>
             </a:fld>
             <a:endParaRPr lang="en-US"/>
           </a:p>
@@ -7500,7 +7611,7 @@
             <a:fld id="{0459C166-16D3-4A25-A2F8-C51E0E346B22}" type="datetimeFigureOut">
               <a:rPr lang="en-US" smtClean="0"/>
               <a:pPr/>
-              <a:t>7/7/16</a:t>
+              <a:t>9/9/16</a:t>
             </a:fld>
             <a:endParaRPr lang="en-US"/>
           </a:p>
@@ -7816,7 +7927,7 @@
           <a:p>
             <a:fld id="{0459C166-16D3-4A25-A2F8-C51E0E346B22}" type="datetimeFigureOut">
               <a:rPr lang="en-US" smtClean="0"/>
-              <a:t>7/7/16</a:t>
+              <a:t>9/9/16</a:t>
             </a:fld>
             <a:endParaRPr lang="en-US"/>
           </a:p>
@@ -8390,7 +8501,7 @@
           <a:p>
             <a:fld id="{0459C166-16D3-4A25-A2F8-C51E0E346B22}" type="datetimeFigureOut">
               <a:rPr lang="en-US" smtClean="0"/>
-              <a:t>7/7/16</a:t>
+              <a:t>9/9/16</a:t>
             </a:fld>
             <a:endParaRPr lang="en-US"/>
           </a:p>
@@ -9530,7 +9641,7 @@
           <a:p>
             <a:fld id="{0459C166-16D3-4A25-A2F8-C51E0E346B22}" type="datetimeFigureOut">
               <a:rPr lang="en-US" smtClean="0"/>
-              <a:t>7/7/16</a:t>
+              <a:t>9/9/16</a:t>
             </a:fld>
             <a:endParaRPr lang="en-US"/>
           </a:p>
@@ -9741,7 +9852,7 @@
           <a:p>
             <a:fld id="{0459C166-16D3-4A25-A2F8-C51E0E346B22}" type="datetimeFigureOut">
               <a:rPr lang="en-US" smtClean="0"/>
-              <a:t>7/7/16</a:t>
+              <a:t>9/9/16</a:t>
             </a:fld>
             <a:endParaRPr lang="en-US"/>
           </a:p>
@@ -22910,7 +23021,7 @@
   <a:extraClrSchemeLst/>
   <a:extLst>
     <a:ext uri="{05A4C25C-085E-4340-85A3-A5531E510DB2}">
-      <thm15:themeFamily xmlns:thm15="http://schemas.microsoft.com/office/thememl/2012/main" xmlns="" name="Office Theme" id="{62F939B6-93AF-4DB8-9C6B-D6C7DFDC589F}" vid="{4A3C46E8-61CC-4603-A589-7422A47A8E4A}"/>
+      <thm15:themeFamily xmlns:thm15="http://schemas.microsoft.com/office/thememl/2012/main" name="Office Theme" id="{62F939B6-93AF-4DB8-9C6B-D6C7DFDC589F}" vid="{4A3C46E8-61CC-4603-A589-7422A47A8E4A}"/>
     </a:ext>
   </a:extLst>
 </a:theme>
@@ -23205,7 +23316,7 @@
   <a:extraClrSchemeLst/>
   <a:extLst>
     <a:ext uri="{05A4C25C-085E-4340-85A3-A5531E510DB2}">
-      <thm15:themeFamily xmlns:thm15="http://schemas.microsoft.com/office/thememl/2012/main" xmlns="" name="Office Theme" id="{62F939B6-93AF-4DB8-9C6B-D6C7DFDC589F}" vid="{4A3C46E8-61CC-4603-A589-7422A47A8E4A}"/>
+      <thm15:themeFamily xmlns:thm15="http://schemas.microsoft.com/office/thememl/2012/main" name="Office Theme" id="{62F939B6-93AF-4DB8-9C6B-D6C7DFDC589F}" vid="{4A3C46E8-61CC-4603-A589-7422A47A8E4A}"/>
     </a:ext>
   </a:extLst>
 </a:theme>
